--- a/powerpoint week 5.pptx
+++ b/powerpoint week 5.pptx
@@ -112,7 +112,7 @@
   </p:defaultTextStyle>
   <p:extLst>
     <p:ext uri="{EFAFB233-063F-42B5-8137-9DF3F51BA10A}">
-      <p15:sldGuideLst xmlns:p15="http://schemas.microsoft.com/office/powerpoint/2012/main" xmlns=""/>
+      <p15:sldGuideLst xmlns="" xmlns:p15="http://schemas.microsoft.com/office/powerpoint/2012/main"/>
     </p:ext>
   </p:extLst>
 </p:presentation>
@@ -247,7 +247,7 @@
           <a:p>
             <a:fld id="{24F91115-6E23-48A2-830D-2E349A7A41D4}" type="datetimeFigureOut">
               <a:rPr lang="nl-NL" smtClean="0"/>
-              <a:t>12/05/16</a:t>
+              <a:t>13-5-2016</a:t>
             </a:fld>
             <a:endParaRPr lang="nl-NL"/>
           </a:p>
@@ -415,7 +415,7 @@
           <a:p>
             <a:fld id="{24F91115-6E23-48A2-830D-2E349A7A41D4}" type="datetimeFigureOut">
               <a:rPr lang="nl-NL" smtClean="0"/>
-              <a:t>12/05/16</a:t>
+              <a:t>13-5-2016</a:t>
             </a:fld>
             <a:endParaRPr lang="nl-NL"/>
           </a:p>
@@ -593,7 +593,7 @@
           <a:p>
             <a:fld id="{24F91115-6E23-48A2-830D-2E349A7A41D4}" type="datetimeFigureOut">
               <a:rPr lang="nl-NL" smtClean="0"/>
-              <a:t>12/05/16</a:t>
+              <a:t>13-5-2016</a:t>
             </a:fld>
             <a:endParaRPr lang="nl-NL"/>
           </a:p>
@@ -761,7 +761,7 @@
           <a:p>
             <a:fld id="{24F91115-6E23-48A2-830D-2E349A7A41D4}" type="datetimeFigureOut">
               <a:rPr lang="nl-NL" smtClean="0"/>
-              <a:t>12/05/16</a:t>
+              <a:t>13-5-2016</a:t>
             </a:fld>
             <a:endParaRPr lang="nl-NL"/>
           </a:p>
@@ -1006,7 +1006,7 @@
           <a:p>
             <a:fld id="{24F91115-6E23-48A2-830D-2E349A7A41D4}" type="datetimeFigureOut">
               <a:rPr lang="nl-NL" smtClean="0"/>
-              <a:t>12/05/16</a:t>
+              <a:t>13-5-2016</a:t>
             </a:fld>
             <a:endParaRPr lang="nl-NL"/>
           </a:p>
@@ -1235,7 +1235,7 @@
           <a:p>
             <a:fld id="{24F91115-6E23-48A2-830D-2E349A7A41D4}" type="datetimeFigureOut">
               <a:rPr lang="nl-NL" smtClean="0"/>
-              <a:t>12/05/16</a:t>
+              <a:t>13-5-2016</a:t>
             </a:fld>
             <a:endParaRPr lang="nl-NL"/>
           </a:p>
@@ -1599,7 +1599,7 @@
           <a:p>
             <a:fld id="{24F91115-6E23-48A2-830D-2E349A7A41D4}" type="datetimeFigureOut">
               <a:rPr lang="nl-NL" smtClean="0"/>
-              <a:t>12/05/16</a:t>
+              <a:t>13-5-2016</a:t>
             </a:fld>
             <a:endParaRPr lang="nl-NL"/>
           </a:p>
@@ -1716,7 +1716,7 @@
           <a:p>
             <a:fld id="{24F91115-6E23-48A2-830D-2E349A7A41D4}" type="datetimeFigureOut">
               <a:rPr lang="nl-NL" smtClean="0"/>
-              <a:t>12/05/16</a:t>
+              <a:t>13-5-2016</a:t>
             </a:fld>
             <a:endParaRPr lang="nl-NL"/>
           </a:p>
@@ -1811,7 +1811,7 @@
           <a:p>
             <a:fld id="{24F91115-6E23-48A2-830D-2E349A7A41D4}" type="datetimeFigureOut">
               <a:rPr lang="nl-NL" smtClean="0"/>
-              <a:t>12/05/16</a:t>
+              <a:t>13-5-2016</a:t>
             </a:fld>
             <a:endParaRPr lang="nl-NL"/>
           </a:p>
@@ -2086,7 +2086,7 @@
           <a:p>
             <a:fld id="{24F91115-6E23-48A2-830D-2E349A7A41D4}" type="datetimeFigureOut">
               <a:rPr lang="nl-NL" smtClean="0"/>
-              <a:t>12/05/16</a:t>
+              <a:t>13-5-2016</a:t>
             </a:fld>
             <a:endParaRPr lang="nl-NL"/>
           </a:p>
@@ -2338,7 +2338,7 @@
           <a:p>
             <a:fld id="{24F91115-6E23-48A2-830D-2E349A7A41D4}" type="datetimeFigureOut">
               <a:rPr lang="nl-NL" smtClean="0"/>
-              <a:t>12/05/16</a:t>
+              <a:t>13-5-2016</a:t>
             </a:fld>
             <a:endParaRPr lang="nl-NL"/>
           </a:p>
@@ -2549,7 +2549,7 @@
           <a:p>
             <a:fld id="{24F91115-6E23-48A2-830D-2E349A7A41D4}" type="datetimeFigureOut">
               <a:rPr lang="nl-NL" smtClean="0"/>
-              <a:t>12/05/16</a:t>
+              <a:t>13-5-2016</a:t>
             </a:fld>
             <a:endParaRPr lang="nl-NL"/>
           </a:p>
@@ -3011,11 +3011,7 @@
           <a:p>
             <a:r>
               <a:rPr lang="nl-NL" i="1" dirty="0" smtClean="0"/>
-              <a:t>Optimale v</a:t>
-            </a:r>
-            <a:r>
-              <a:rPr lang="nl-NL" i="1" dirty="0" smtClean="0"/>
-              <a:t>erdeling van zendertypes over Rusland</a:t>
+              <a:t>Optimale verdeling van zendertypes over Rusland</a:t>
             </a:r>
           </a:p>
           <a:p>
@@ -3070,8 +3066,12 @@
               <a:t>Tom </a:t>
             </a:r>
             <a:r>
-              <a:rPr lang="nl-NL" dirty="0" err="1"/>
-              <a:t>Houfour</a:t>
+              <a:rPr lang="nl-NL" dirty="0" smtClean="0"/>
+              <a:t>Sch</a:t>
+            </a:r>
+            <a:r>
+              <a:rPr lang="nl-NL" dirty="0" smtClean="0"/>
+              <a:t>oufour</a:t>
             </a:r>
             <a:r>
               <a:rPr lang="nl-NL" dirty="0"/>
@@ -3173,7 +3173,7 @@
   <p:timing>
     <p:tnLst>
       <p:par>
-        <p:cTn xmlns:p14="http://schemas.microsoft.com/office/powerpoint/2010/main" id="1" dur="indefinite" restart="never" nodeType="tmRoot"/>
+        <p:cTn id="1" dur="indefinite" restart="never" nodeType="tmRoot"/>
       </p:par>
     </p:tnLst>
   </p:timing>
@@ -3269,11 +3269,7 @@
           <a:p>
             <a:r>
               <a:rPr lang="nl-NL" dirty="0" smtClean="0"/>
-              <a:t>Provincies met hetzelfde </a:t>
-            </a:r>
-            <a:r>
-              <a:rPr lang="nl-NL" dirty="0" smtClean="0"/>
-              <a:t>typen zendmasten niet aan elkaar grenzen</a:t>
+              <a:t>Provincies met hetzelfde typen zendmasten niet aan elkaar grenzen</a:t>
             </a:r>
             <a:endParaRPr lang="nl-NL" dirty="0"/>
           </a:p>
@@ -3507,7 +3503,7 @@
           </a:ln>
           <a:extLst>
             <a:ext uri="{FAA26D3D-D897-4be2-8F04-BA451C77F1D7}">
-              <ma14:placeholderFlag xmlns:ma14="http://schemas.microsoft.com/office/mac/drawingml/2011/main"/>
+              <ma14:placeholderFlag xmlns:ma14="http://schemas.microsoft.com/office/mac/drawingml/2011/main" xmlns=""/>
             </a:ext>
           </a:extLst>
         </p:spPr>
@@ -3706,7 +3702,6 @@
               <a:rPr lang="nl-NL" dirty="0"/>
               <a:t>: bij alle oplossingen kan iedere zendertype in zijn geheel ook een ander zendertype zijn </a:t>
             </a:r>
-            <a:endParaRPr lang="nl-NL" dirty="0"/>
           </a:p>
           <a:p>
             <a:pPr marL="457200" lvl="1" indent="0">
@@ -4021,11 +4016,7 @@
           <a:p>
             <a:r>
               <a:rPr lang="nl-NL" dirty="0" smtClean="0"/>
-              <a:t>Constructief &amp; Depth-Firs</a:t>
-            </a:r>
-            <a:r>
-              <a:rPr lang="nl-NL" dirty="0" smtClean="0"/>
-              <a:t>t Search</a:t>
+              <a:t>Constructief </a:t>
             </a:r>
             <a:endParaRPr lang="nl-NL" dirty="0"/>
           </a:p>
@@ -4044,27 +4035,19 @@
             </a:r>
             <a:r>
               <a:rPr lang="nl-NL" dirty="0" smtClean="0"/>
-              <a:t>provincies;</a:t>
-            </a:r>
-            <a:endParaRPr lang="nl-NL" dirty="0"/>
+              <a:t>provincies</a:t>
+            </a:r>
+            <a:r>
+              <a:rPr lang="nl-NL" dirty="0" smtClean="0"/>
+              <a:t>;</a:t>
+            </a:r>
           </a:p>
           <a:p>
             <a:pPr lvl="1">
               <a:buFont typeface="Wingdings" charset="2"/>
               <a:buChar char="Ø"/>
             </a:pPr>
-            <a:r>
-              <a:rPr lang="nl-NL" dirty="0" smtClean="0"/>
-              <a:t> Als </a:t>
-            </a:r>
-            <a:r>
-              <a:rPr lang="nl-NL" dirty="0"/>
-              <a:t>er maar 1 zender mogelijk is, kies die </a:t>
-            </a:r>
-            <a:r>
-              <a:rPr lang="nl-NL" dirty="0" smtClean="0"/>
-              <a:t>zender;</a:t>
-            </a:r>
+            <a:endParaRPr lang="nl-NL" dirty="0"/>
           </a:p>
           <a:p>
             <a:pPr lvl="1">
@@ -4072,39 +4055,49 @@
               <a:buChar char="Ø"/>
             </a:pPr>
             <a:r>
+              <a:rPr lang="nl-NL" dirty="0" smtClean="0"/>
+              <a:t> Als </a:t>
+            </a:r>
+            <a:r>
               <a:rPr lang="nl-NL" dirty="0"/>
-              <a:t> </a:t>
+              <a:t>er maar 1 zender mogelijk is, kies die </a:t>
             </a:r>
             <a:r>
               <a:rPr lang="nl-NL" dirty="0" smtClean="0"/>
-              <a:t>Als </a:t>
-            </a:r>
-            <a:r>
-              <a:rPr lang="nl-NL" dirty="0"/>
-              <a:t>alle zenders gelijk aanwezig zijn begin bij zender 1, anders kies zender die het minst </a:t>
-            </a:r>
-            <a:r>
-              <a:rPr lang="nl-NL"/>
-              <a:t>aanwezig </a:t>
-            </a:r>
-            <a:r>
-              <a:rPr lang="nl-NL" smtClean="0"/>
-              <a:t>is;</a:t>
-            </a:r>
-            <a:endParaRPr lang="nl-NL" dirty="0" smtClean="0"/>
+              <a:t>zender</a:t>
+            </a:r>
+            <a:r>
+              <a:rPr lang="nl-NL" dirty="0" smtClean="0"/>
+              <a:t>;</a:t>
+            </a:r>
           </a:p>
           <a:p>
             <a:pPr lvl="1">
               <a:buFont typeface="Wingdings" charset="2"/>
               <a:buChar char="Ø"/>
             </a:pPr>
+            <a:endParaRPr lang="nl-NL" dirty="0" smtClean="0"/>
+          </a:p>
+          <a:p>
+            <a:pPr lvl="1">
+              <a:buFont typeface="Wingdings" charset="2"/>
+              <a:buChar char="Ø"/>
+            </a:pPr>
+            <a:r>
+              <a:rPr lang="nl-NL" dirty="0"/>
+              <a:t> </a:t>
+            </a:r>
             <a:r>
               <a:rPr lang="nl-NL" dirty="0" smtClean="0"/>
-              <a:t> Als </a:t>
+              <a:t>Als </a:t>
             </a:r>
             <a:r>
               <a:rPr lang="nl-NL" dirty="0"/>
-              <a:t>oplossing niet mogelijk is, ga terug totdat er een mogelijke oplossing komt. </a:t>
+              <a:t>alle zenders gelijk aanwezig zijn begin bij zender 1, anders kies zender die het minst aanwezig </a:t>
+            </a:r>
+            <a:r>
+              <a:rPr lang="nl-NL" dirty="0" smtClean="0"/>
+              <a:t>is;</a:t>
             </a:r>
           </a:p>
           <a:p>
@@ -4262,6 +4255,45 @@
           <a:lstStyle/>
           <a:p>
             <a:r>
+              <a:rPr lang="nl-NL" dirty="0" smtClean="0"/>
+              <a:t>Hill </a:t>
+            </a:r>
+            <a:r>
+              <a:rPr lang="nl-NL" dirty="0" err="1" smtClean="0"/>
+              <a:t>climbing</a:t>
+            </a:r>
+            <a:r>
+              <a:rPr lang="nl-NL" dirty="0" smtClean="0"/>
+              <a:t> </a:t>
+            </a:r>
+            <a:r>
+              <a:rPr lang="nl-NL" dirty="0" smtClean="0"/>
+              <a:t>algoritme:</a:t>
+            </a:r>
+            <a:br>
+              <a:rPr lang="nl-NL" dirty="0" smtClean="0"/>
+            </a:br>
+            <a:r>
+              <a:rPr lang="nl-NL" dirty="0" smtClean="0"/>
+              <a:t>- Vul map random in;</a:t>
+            </a:r>
+            <a:br>
+              <a:rPr lang="nl-NL" dirty="0" smtClean="0"/>
+            </a:br>
+            <a:r>
+              <a:rPr lang="nl-NL" dirty="0" smtClean="0"/>
+              <a:t>- Itereer over map en kies goedkoopst mogelijk;</a:t>
+            </a:r>
+            <a:br>
+              <a:rPr lang="nl-NL" dirty="0" smtClean="0"/>
+            </a:br>
+            <a:r>
+              <a:rPr lang="nl-NL" dirty="0" smtClean="0"/>
+              <a:t>- Lokaal minimum;</a:t>
+            </a:r>
+          </a:p>
+          <a:p>
+            <a:r>
               <a:rPr lang="nl-NL" dirty="0" err="1" smtClean="0"/>
               <a:t>Simulated</a:t>
             </a:r>
@@ -4271,36 +4303,33 @@
             </a:r>
             <a:r>
               <a:rPr lang="nl-NL" dirty="0" err="1" smtClean="0"/>
-              <a:t>annealing</a:t>
-            </a:r>
-            <a:endParaRPr lang="nl-NL" dirty="0" smtClean="0"/>
-          </a:p>
-          <a:p>
+              <a:t>Annealing</a:t>
+            </a:r>
             <a:r>
               <a:rPr lang="nl-NL" dirty="0" smtClean="0"/>
-              <a:t>Hill </a:t>
-            </a:r>
-            <a:r>
-              <a:rPr lang="nl-NL" dirty="0" err="1" smtClean="0"/>
-              <a:t>climbing</a:t>
-            </a:r>
-            <a:r>
+              <a:t/>
+            </a:r>
+            <a:br>
               <a:rPr lang="nl-NL" dirty="0" smtClean="0"/>
-              <a:t> algoritme</a:t>
-            </a:r>
-            <a:endParaRPr lang="nl-NL" dirty="0"/>
-          </a:p>
-          <a:p>
-            <a:pPr lvl="1">
-              <a:buFont typeface="Wingdings" charset="2"/>
-              <a:buChar char="Ø"/>
-            </a:pPr>
-            <a:endParaRPr lang="nl-NL" dirty="0"/>
-          </a:p>
-          <a:p>
-            <a:pPr marL="0" indent="0">
-              <a:buNone/>
-            </a:pPr>
+            </a:br>
+            <a:r>
+              <a:rPr lang="nl-NL" dirty="0" smtClean="0"/>
+              <a:t>- Verander meerdere provincies per keer;</a:t>
+            </a:r>
+            <a:br>
+              <a:rPr lang="nl-NL" dirty="0" smtClean="0"/>
+            </a:br>
+            <a:r>
+              <a:rPr lang="nl-NL" dirty="0" smtClean="0"/>
+              <a:t/>
+            </a:r>
+            <a:br>
+              <a:rPr lang="nl-NL" dirty="0" smtClean="0"/>
+            </a:br>
+            <a:r>
+              <a:rPr lang="nl-NL" dirty="0" smtClean="0"/>
+              <a:t>- Met één conflict is change onbruikbaar;</a:t>
+            </a:r>
             <a:r>
               <a:rPr lang="nl-NL" dirty="0"/>
               <a:t/>
@@ -4352,7 +4381,7 @@
         </p:blipFill>
         <p:spPr>
           <a:xfrm>
-            <a:off x="6966858" y="3265713"/>
+            <a:off x="7119258" y="3265713"/>
             <a:ext cx="4257524" cy="3193143"/>
           </a:xfrm>
           <a:prstGeom prst="rect">
@@ -4662,7 +4691,7 @@
   <a:extraClrSchemeLst/>
   <a:extLst>
     <a:ext uri="{05A4C25C-085E-4340-85A3-A5531E510DB2}">
-      <thm15:themeFamily xmlns:thm15="http://schemas.microsoft.com/office/thememl/2012/main" xmlns="" name="Office Theme" id="{62F939B6-93AF-4DB8-9C6B-D6C7DFDC589F}" vid="{4A3C46E8-61CC-4603-A589-7422A47A8E4A}"/>
+      <thm15:themeFamily xmlns="" xmlns:thm15="http://schemas.microsoft.com/office/thememl/2012/main" name="Office Theme" id="{62F939B6-93AF-4DB8-9C6B-D6C7DFDC589F}" vid="{4A3C46E8-61CC-4603-A589-7422A47A8E4A}"/>
     </a:ext>
   </a:extLst>
 </a:theme>

--- a/powerpoint week 5.pptx
+++ b/powerpoint week 5.pptx
@@ -11,7 +11,10 @@
     <p:sldId id="257" r:id="rId5"/>
     <p:sldId id="263" r:id="rId6"/>
     <p:sldId id="259" r:id="rId7"/>
-    <p:sldId id="264" r:id="rId8"/>
+    <p:sldId id="265" r:id="rId8"/>
+    <p:sldId id="264" r:id="rId9"/>
+    <p:sldId id="266" r:id="rId10"/>
+    <p:sldId id="267" r:id="rId11"/>
   </p:sldIdLst>
   <p:sldSz cx="12192000" cy="6858000"/>
   <p:notesSz cx="6858000" cy="9144000"/>
@@ -3056,8 +3059,8 @@
               <a:rPr lang="nl-NL" dirty="0"/>
             </a:br>
             <a:r>
-              <a:rPr lang="nl-NL" dirty="0"/>
-              <a:t>[Studentnummer]</a:t>
+              <a:rPr lang="nl-NL" dirty="0" smtClean="0"/>
+              <a:t>11201401</a:t>
             </a:r>
             <a:endParaRPr lang="en-GB" dirty="0"/>
           </a:p>
@@ -3160,6 +3163,44 @@
           </a:prstGeom>
         </p:spPr>
       </p:pic>
+      <p:sp>
+        <p:nvSpPr>
+          <p:cNvPr id="8" name="Tekstvak 7"/>
+          <p:cNvSpPr txBox="1"/>
+          <p:nvPr/>
+        </p:nvSpPr>
+        <p:spPr>
+          <a:xfrm>
+            <a:off x="9119810" y="1233714"/>
+            <a:ext cx="2818190" cy="646331"/>
+          </a:xfrm>
+          <a:prstGeom prst="rect">
+            <a:avLst/>
+          </a:prstGeom>
+          <a:noFill/>
+        </p:spPr>
+        <p:txBody>
+          <a:bodyPr wrap="square" rtlCol="0">
+            <a:spAutoFit/>
+          </a:bodyPr>
+          <a:lstStyle/>
+          <a:p>
+            <a:pPr algn="r"/>
+            <a:r>
+              <a:rPr lang="nl-NL" dirty="0" smtClean="0"/>
+              <a:t>20 MEI 2016</a:t>
+            </a:r>
+          </a:p>
+          <a:p>
+            <a:pPr algn="r"/>
+            <a:r>
+              <a:rPr lang="nl-NL" dirty="0" smtClean="0"/>
+              <a:t>HEURISTIEKEN</a:t>
+            </a:r>
+            <a:endParaRPr lang="nl-NL" dirty="0"/>
+          </a:p>
+        </p:txBody>
+      </p:sp>
     </p:spTree>
     <p:extLst>
       <p:ext uri="{BB962C8B-B14F-4D97-AF65-F5344CB8AC3E}">
@@ -3180,6 +3221,126 @@
 </p:sld>
 </file>
 
+<file path=ppt/slides/slide10.xml><?xml version="1.0" encoding="utf-8"?>
+<p:sld xmlns:a="http://schemas.openxmlformats.org/drawingml/2006/main" xmlns:r="http://schemas.openxmlformats.org/officeDocument/2006/relationships" xmlns:p="http://schemas.openxmlformats.org/presentationml/2006/main">
+  <p:cSld>
+    <p:spTree>
+      <p:nvGrpSpPr>
+        <p:cNvPr id="1" name=""/>
+        <p:cNvGrpSpPr/>
+        <p:nvPr/>
+      </p:nvGrpSpPr>
+      <p:grpSpPr>
+        <a:xfrm>
+          <a:off x="0" y="0"/>
+          <a:ext cx="0" cy="0"/>
+          <a:chOff x="0" y="0"/>
+          <a:chExt cx="0" cy="0"/>
+        </a:xfrm>
+      </p:grpSpPr>
+      <p:sp>
+        <p:nvSpPr>
+          <p:cNvPr id="2" name="Titel 1"/>
+          <p:cNvSpPr>
+            <a:spLocks noGrp="1"/>
+          </p:cNvSpPr>
+          <p:nvPr>
+            <p:ph type="title"/>
+          </p:nvPr>
+        </p:nvSpPr>
+        <p:spPr/>
+        <p:txBody>
+          <a:bodyPr/>
+          <a:lstStyle/>
+          <a:p>
+            <a:r>
+              <a:rPr lang="nl-NL" u="sng" dirty="0" smtClean="0"/>
+              <a:t>CONCLUSIE</a:t>
+            </a:r>
+            <a:endParaRPr lang="nl-NL" u="sng" dirty="0"/>
+          </a:p>
+        </p:txBody>
+      </p:sp>
+      <p:sp>
+        <p:nvSpPr>
+          <p:cNvPr id="3" name="Tijdelijke aanduiding voor inhoud 2"/>
+          <p:cNvSpPr>
+            <a:spLocks noGrp="1"/>
+          </p:cNvSpPr>
+          <p:nvPr>
+            <p:ph idx="1"/>
+          </p:nvPr>
+        </p:nvSpPr>
+        <p:spPr>
+          <a:xfrm>
+            <a:off x="838200" y="1825625"/>
+            <a:ext cx="9164562" cy="4351338"/>
+          </a:xfrm>
+        </p:spPr>
+        <p:txBody>
+          <a:bodyPr>
+            <a:normAutofit/>
+          </a:bodyPr>
+          <a:lstStyle/>
+          <a:p>
+            <a:pPr lvl="1">
+              <a:buFont typeface="Wingdings" charset="2"/>
+              <a:buChar char="Ø"/>
+            </a:pPr>
+            <a:endParaRPr lang="nl-NL" dirty="0"/>
+          </a:p>
+          <a:p>
+            <a:pPr marL="0" indent="0">
+              <a:buNone/>
+            </a:pPr>
+            <a:r>
+              <a:rPr lang="nl-NL" dirty="0"/>
+              <a:t/>
+            </a:r>
+            <a:br>
+              <a:rPr lang="nl-NL" dirty="0"/>
+            </a:br>
+            <a:endParaRPr lang="nl-NL" dirty="0"/>
+          </a:p>
+        </p:txBody>
+      </p:sp>
+      <p:pic>
+        <p:nvPicPr>
+          <p:cNvPr id="5" name="Afbeelding 4"/>
+          <p:cNvPicPr>
+            <a:picLocks noChangeAspect="1"/>
+          </p:cNvPicPr>
+          <p:nvPr/>
+        </p:nvPicPr>
+        <p:blipFill>
+          <a:blip r:embed="rId2"/>
+          <a:stretch>
+            <a:fillRect/>
+          </a:stretch>
+        </p:blipFill>
+        <p:spPr>
+          <a:xfrm>
+            <a:off x="9119810" y="271515"/>
+            <a:ext cx="2836334" cy="875113"/>
+          </a:xfrm>
+          <a:prstGeom prst="rect">
+            <a:avLst/>
+          </a:prstGeom>
+        </p:spPr>
+      </p:pic>
+    </p:spTree>
+    <p:extLst>
+      <p:ext uri="{BB962C8B-B14F-4D97-AF65-F5344CB8AC3E}">
+        <p14:creationId xmlns:p14="http://schemas.microsoft.com/office/powerpoint/2010/main" val="782410418"/>
+      </p:ext>
+    </p:extLst>
+  </p:cSld>
+  <p:clrMapOvr>
+    <a:masterClrMapping/>
+  </p:clrMapOvr>
+</p:sld>
+</file>
+
 <file path=ppt/slides/slide2.xml><?xml version="1.0" encoding="utf-8"?>
 <p:sld xmlns:a="http://schemas.openxmlformats.org/drawingml/2006/main" xmlns:r="http://schemas.openxmlformats.org/officeDocument/2006/relationships" xmlns:p="http://schemas.openxmlformats.org/presentationml/2006/main">
   <p:cSld>
@@ -3273,7 +3434,15 @@
             </a:r>
             <a:r>
               <a:rPr lang="nl-NL" dirty="0" smtClean="0"/>
-              <a:t>typen zendmasten niet aan elkaar grenzen</a:t>
+              <a:t>typen zendmasten </a:t>
+            </a:r>
+            <a:r>
+              <a:rPr lang="nl-NL" u="sng" dirty="0" smtClean="0"/>
+              <a:t>niet</a:t>
+            </a:r>
+            <a:r>
+              <a:rPr lang="nl-NL" dirty="0" smtClean="0"/>
+              <a:t> aan elkaar grenzen</a:t>
             </a:r>
             <a:endParaRPr lang="nl-NL" dirty="0"/>
           </a:p>
@@ -3360,6 +3529,63 @@
           <a:chExt cx="0" cy="0"/>
         </a:xfrm>
       </p:grpSpPr>
+      <p:graphicFrame>
+        <p:nvGraphicFramePr>
+          <p:cNvPr id="12" name="Object 11"/>
+          <p:cNvGraphicFramePr>
+            <a:graphicFrameLocks noChangeAspect="1"/>
+          </p:cNvGraphicFramePr>
+          <p:nvPr>
+            <p:extLst>
+              <p:ext uri="{D42A27DB-BD31-4B8C-83A1-F6EECF244321}">
+                <p14:modId xmlns:p14="http://schemas.microsoft.com/office/powerpoint/2010/main" val="95705587"/>
+              </p:ext>
+            </p:extLst>
+          </p:nvPr>
+        </p:nvGraphicFramePr>
+        <p:xfrm>
+          <a:off x="5633319" y="2168283"/>
+          <a:ext cx="5905500" cy="3340100"/>
+        </p:xfrm>
+        <a:graphic>
+          <a:graphicData uri="http://schemas.openxmlformats.org/presentationml/2006/ole">
+            <mc:AlternateContent xmlns:mc="http://schemas.openxmlformats.org/markup-compatibility/2006">
+              <mc:Choice xmlns:v="urn:schemas-microsoft-com:vml" Requires="v">
+                <p:oleObj spid="_x0000_s1027" name="Document" r:id="rId3" imgW="5905500" imgH="3340100" progId="Word.Document.12">
+                  <p:embed/>
+                </p:oleObj>
+              </mc:Choice>
+              <mc:Fallback>
+                <p:oleObj name="Document" r:id="rId3" imgW="5905500" imgH="3340100" progId="Word.Document.12">
+                  <p:embed/>
+                  <p:pic>
+                    <p:nvPicPr>
+                      <p:cNvPr id="0" name=""/>
+                      <p:cNvPicPr/>
+                      <p:nvPr/>
+                    </p:nvPicPr>
+                    <p:blipFill>
+                      <a:blip r:embed="rId4"/>
+                      <a:stretch>
+                        <a:fillRect/>
+                      </a:stretch>
+                    </p:blipFill>
+                    <p:spPr>
+                      <a:xfrm>
+                        <a:off x="5633319" y="2168283"/>
+                        <a:ext cx="5905500" cy="3340100"/>
+                      </a:xfrm>
+                      <a:prstGeom prst="rect">
+                        <a:avLst/>
+                      </a:prstGeom>
+                    </p:spPr>
+                  </p:pic>
+                </p:oleObj>
+              </mc:Fallback>
+            </mc:AlternateContent>
+          </a:graphicData>
+        </a:graphic>
+      </p:graphicFrame>
       <p:sp>
         <p:nvSpPr>
           <p:cNvPr id="2" name="Titel 1"/>
@@ -3465,92 +3691,9 @@
             </a:r>
             <a:r>
               <a:rPr lang="nl-NL" dirty="0" smtClean="0"/>
-              <a:t>Kostenverdeling per zendertype in figuur 1.</a:t>
+              <a:t>Kostenverdeling per zendertype</a:t>
             </a:r>
             <a:endParaRPr lang="nl-NL" dirty="0"/>
-          </a:p>
-          <a:p>
-            <a:endParaRPr lang="nl-NL" dirty="0"/>
-          </a:p>
-        </p:txBody>
-      </p:sp>
-      <p:pic>
-        <p:nvPicPr>
-          <p:cNvPr id="4" name="Afbeelding 3"/>
-          <p:cNvPicPr/>
-          <p:nvPr/>
-        </p:nvPicPr>
-        <p:blipFill>
-          <a:blip r:embed="rId2">
-            <a:extLst>
-              <a:ext uri="{28A0092B-C50C-407E-A947-70E740481C1C}">
-                <a14:useLocalDpi xmlns:a14="http://schemas.microsoft.com/office/drawing/2010/main" val="0"/>
-              </a:ext>
-            </a:extLst>
-          </a:blip>
-          <a:srcRect/>
-          <a:stretch>
-            <a:fillRect/>
-          </a:stretch>
-        </p:blipFill>
-        <p:spPr bwMode="auto">
-          <a:xfrm>
-            <a:off x="7281333" y="1741715"/>
-            <a:ext cx="3943048" cy="3600147"/>
-          </a:xfrm>
-          <a:prstGeom prst="rect">
-            <a:avLst/>
-          </a:prstGeom>
-          <a:noFill/>
-          <a:ln>
-            <a:noFill/>
-          </a:ln>
-          <a:extLst>
-            <a:ext uri="{FAA26D3D-D897-4be2-8F04-BA451C77F1D7}">
-              <ma14:placeholderFlag xmlns:ma14="http://schemas.microsoft.com/office/mac/drawingml/2011/main"/>
-            </a:ext>
-          </a:extLst>
-        </p:spPr>
-      </p:pic>
-      <p:sp>
-        <p:nvSpPr>
-          <p:cNvPr id="5" name="Tekstvak 4"/>
-          <p:cNvSpPr txBox="1"/>
-          <p:nvPr/>
-        </p:nvSpPr>
-        <p:spPr>
-          <a:xfrm>
-            <a:off x="6785429" y="5575905"/>
-            <a:ext cx="5067904" cy="615553"/>
-          </a:xfrm>
-          <a:prstGeom prst="rect">
-            <a:avLst/>
-          </a:prstGeom>
-          <a:noFill/>
-        </p:spPr>
-        <p:txBody>
-          <a:bodyPr wrap="square" rtlCol="0">
-            <a:spAutoFit/>
-          </a:bodyPr>
-          <a:lstStyle/>
-          <a:p>
-            <a:r>
-              <a:rPr lang="nl-NL" sz="1600" i="1" dirty="0" smtClean="0"/>
-              <a:t>Figuur 1: </a:t>
-            </a:r>
-            <a:r>
-              <a:rPr lang="nl-NL" sz="1600" i="1" dirty="0"/>
-              <a:t>Twee </a:t>
-            </a:r>
-            <a:r>
-              <a:rPr lang="nl-NL" sz="1600" i="1" dirty="0" smtClean="0"/>
-              <a:t>kostenverdelingen </a:t>
-            </a:r>
-            <a:r>
-              <a:rPr lang="nl-NL" sz="1600" i="1" dirty="0"/>
-              <a:t>per zendertype A t/m G.</a:t>
-            </a:r>
-            <a:endParaRPr lang="en-GB" sz="1600" i="1" dirty="0"/>
           </a:p>
           <a:p>
             <a:endParaRPr lang="nl-NL" dirty="0"/>
@@ -3566,7 +3709,7 @@
           <p:nvPr/>
         </p:nvPicPr>
         <p:blipFill>
-          <a:blip r:embed="rId3"/>
+          <a:blip r:embed="rId5"/>
           <a:stretch>
             <a:fillRect/>
           </a:stretch>
@@ -3668,7 +3811,7 @@
             </a:pPr>
             <a:r>
               <a:rPr lang="nl-NL" dirty="0" smtClean="0"/>
-              <a:t> minimum aantal zendertypen is 4 zie figuren 2 en 3</a:t>
+              <a:t> Minimum aantal zendertypen is 4 </a:t>
             </a:r>
           </a:p>
           <a:p>
@@ -3676,6 +3819,10 @@
               <a:buFont typeface="Wingdings" charset="2"/>
               <a:buChar char="Ø"/>
             </a:pPr>
+            <a:r>
+              <a:rPr lang="nl-NL" dirty="0"/>
+              <a:t> </a:t>
+            </a:r>
             <a:r>
               <a:rPr lang="nl-NL" dirty="0" smtClean="0"/>
               <a:t>4</a:t>
@@ -3764,15 +3911,14 @@
           </p:cNvPicPr>
           <p:nvPr/>
         </p:nvPicPr>
-        <p:blipFill>
+        <p:blipFill rotWithShape="1">
           <a:blip r:embed="rId3"/>
-          <a:stretch>
-            <a:fillRect/>
-          </a:stretch>
+          <a:srcRect t="-36" b="36"/>
+          <a:stretch/>
         </p:blipFill>
         <p:spPr>
           <a:xfrm>
-            <a:off x="5254171" y="3975101"/>
+            <a:off x="5254171" y="3974400"/>
             <a:ext cx="2832100" cy="1943100"/>
           </a:xfrm>
           <a:prstGeom prst="rect">
@@ -3786,7 +3932,7 @@
           <p:cNvPicPr/>
           <p:nvPr/>
         </p:nvPicPr>
-        <p:blipFill>
+        <p:blipFill rotWithShape="1">
           <a:blip r:embed="rId4">
             <a:extLst>
               <a:ext uri="{28A0092B-C50C-407E-A947-70E740481C1C}">
@@ -3794,14 +3940,12 @@
               </a:ext>
             </a:extLst>
           </a:blip>
-          <a:srcRect/>
-          <a:stretch>
-            <a:fillRect/>
-          </a:stretch>
+          <a:srcRect t="9604" b="-9604"/>
+          <a:stretch/>
         </p:blipFill>
         <p:spPr bwMode="auto">
           <a:xfrm>
-            <a:off x="8899373" y="3676573"/>
+            <a:off x="8899373" y="3891600"/>
             <a:ext cx="2400300" cy="2238375"/>
           </a:xfrm>
           <a:prstGeom prst="rect">
@@ -3813,36 +3957,6 @@
           </a:ln>
         </p:spPr>
       </p:pic>
-      <p:sp>
-        <p:nvSpPr>
-          <p:cNvPr id="7" name="Tekstvak 6"/>
-          <p:cNvSpPr txBox="1"/>
-          <p:nvPr/>
-        </p:nvSpPr>
-        <p:spPr>
-          <a:xfrm>
-            <a:off x="5237238" y="6059714"/>
-            <a:ext cx="6386286" cy="369332"/>
-          </a:xfrm>
-          <a:prstGeom prst="rect">
-            <a:avLst/>
-          </a:prstGeom>
-          <a:noFill/>
-        </p:spPr>
-        <p:txBody>
-          <a:bodyPr wrap="square" rtlCol="0">
-            <a:spAutoFit/>
-          </a:bodyPr>
-          <a:lstStyle/>
-          <a:p>
-            <a:r>
-              <a:rPr lang="nl-NL" i="1" dirty="0" smtClean="0"/>
-              <a:t>Figuur 2: 3 zendertypen		Figuur 3: 4 zendertypen</a:t>
-            </a:r>
-            <a:endParaRPr lang="nl-NL" i="1" dirty="0"/>
-          </a:p>
-        </p:txBody>
-      </p:sp>
     </p:spTree>
     <p:extLst>
       <p:ext uri="{BB962C8B-B14F-4D97-AF65-F5344CB8AC3E}">
@@ -4021,13 +4135,21 @@
           <a:p>
             <a:r>
               <a:rPr lang="nl-NL" dirty="0" smtClean="0"/>
-              <a:t>Constructief &amp; Depth-Firs</a:t>
+              <a:t>C</a:t>
             </a:r>
             <a:r>
               <a:rPr lang="nl-NL" dirty="0" smtClean="0"/>
-              <a:t>t Search</a:t>
-            </a:r>
-            <a:endParaRPr lang="nl-NL" dirty="0"/>
+              <a:t>onstructief algoritme</a:t>
+            </a:r>
+          </a:p>
+          <a:p>
+            <a:pPr marL="457200" lvl="1" indent="0">
+              <a:buNone/>
+            </a:pPr>
+            <a:r>
+              <a:rPr lang="nl-NL" dirty="0" smtClean="0"/>
+              <a:t> </a:t>
+            </a:r>
           </a:p>
           <a:p>
             <a:pPr lvl="1">
@@ -4036,17 +4158,17 @@
             </a:pPr>
             <a:r>
               <a:rPr lang="nl-NL" dirty="0" smtClean="0"/>
-              <a:t> Start </a:t>
-            </a:r>
-            <a:r>
-              <a:rPr lang="nl-NL" dirty="0"/>
-              <a:t>bij de provincie met de meeste aangrenzende </a:t>
-            </a:r>
+              <a:t> Random </a:t>
+            </a:r>
+          </a:p>
+          <a:p>
+            <a:pPr marL="457200" lvl="1" indent="0">
+              <a:buNone/>
+            </a:pPr>
             <a:r>
               <a:rPr lang="nl-NL" dirty="0" smtClean="0"/>
-              <a:t>provincies;</a:t>
-            </a:r>
-            <a:endParaRPr lang="nl-NL" dirty="0"/>
+              <a:t> </a:t>
+            </a:r>
           </a:p>
           <a:p>
             <a:pPr lvl="1">
@@ -4055,15 +4177,7 @@
             </a:pPr>
             <a:r>
               <a:rPr lang="nl-NL" dirty="0" smtClean="0"/>
-              <a:t> Als </a:t>
-            </a:r>
-            <a:r>
-              <a:rPr lang="nl-NL" dirty="0"/>
-              <a:t>er maar 1 zender mogelijk is, kies die </a:t>
-            </a:r>
-            <a:r>
-              <a:rPr lang="nl-NL" dirty="0" smtClean="0"/>
-              <a:t>zender;</a:t>
+              <a:t> Meest connected eerst</a:t>
             </a:r>
           </a:p>
           <a:p>
@@ -4071,26 +4185,6 @@
               <a:buFont typeface="Wingdings" charset="2"/>
               <a:buChar char="Ø"/>
             </a:pPr>
-            <a:r>
-              <a:rPr lang="nl-NL" dirty="0"/>
-              <a:t> </a:t>
-            </a:r>
-            <a:r>
-              <a:rPr lang="nl-NL" dirty="0" smtClean="0"/>
-              <a:t>Als </a:t>
-            </a:r>
-            <a:r>
-              <a:rPr lang="nl-NL" dirty="0"/>
-              <a:t>alle zenders gelijk aanwezig zijn begin bij zender 1, anders kies zender die het minst </a:t>
-            </a:r>
-            <a:r>
-              <a:rPr lang="nl-NL"/>
-              <a:t>aanwezig </a:t>
-            </a:r>
-            <a:r>
-              <a:rPr lang="nl-NL" smtClean="0"/>
-              <a:t>is;</a:t>
-            </a:r>
             <a:endParaRPr lang="nl-NL" dirty="0" smtClean="0"/>
           </a:p>
           <a:p>
@@ -4100,12 +4194,9 @@
             </a:pPr>
             <a:r>
               <a:rPr lang="nl-NL" dirty="0" smtClean="0"/>
-              <a:t> Als </a:t>
-            </a:r>
-            <a:r>
-              <a:rPr lang="nl-NL" dirty="0"/>
-              <a:t>oplossing niet mogelijk is, ga terug totdat er een mogelijke oplossing komt. </a:t>
-            </a:r>
+              <a:t> Minst connected eerst</a:t>
+            </a:r>
+            <a:endParaRPr lang="nl-NL" dirty="0"/>
           </a:p>
           <a:p>
             <a:pPr lvl="1">
@@ -4155,11 +4246,11 @@
       </p:pic>
       <p:pic>
         <p:nvPicPr>
-          <p:cNvPr id="6" name="Afbeelding 5" descr="https://upload.wikimedia.org/wikipedia/commons/thumb/1/1f/Depth-first-tree.svg/300px-Depth-first-tree.svg.png"/>
+          <p:cNvPr id="7" name="Afbeelding 6"/>
           <p:cNvPicPr/>
           <p:nvPr/>
         </p:nvPicPr>
-        <p:blipFill>
+        <p:blipFill rotWithShape="1">
           <a:blip r:embed="rId3">
             <a:extLst>
               <a:ext uri="{28A0092B-C50C-407E-A947-70E740481C1C}">
@@ -4167,15 +4258,13 @@
               </a:ext>
             </a:extLst>
           </a:blip>
-          <a:srcRect/>
-          <a:stretch>
-            <a:fillRect/>
-          </a:stretch>
+          <a:srcRect t="9604" b="-9604"/>
+          <a:stretch/>
         </p:blipFill>
         <p:spPr bwMode="auto">
           <a:xfrm>
-            <a:off x="8201311" y="3713238"/>
-            <a:ext cx="3990689" cy="2781905"/>
+            <a:off x="9358992" y="3891600"/>
+            <a:ext cx="2400300" cy="2238375"/>
           </a:xfrm>
           <a:prstGeom prst="rect">
             <a:avLst/>
@@ -4184,6 +4273,29 @@
           <a:ln>
             <a:noFill/>
           </a:ln>
+        </p:spPr>
+      </p:pic>
+      <p:pic>
+        <p:nvPicPr>
+          <p:cNvPr id="8" name="Afbeelding 7"/>
+          <p:cNvPicPr>
+            <a:picLocks noChangeAspect="1"/>
+          </p:cNvPicPr>
+          <p:nvPr/>
+        </p:nvPicPr>
+        <p:blipFill rotWithShape="1">
+          <a:blip r:embed="rId4"/>
+          <a:srcRect t="-36" b="36"/>
+          <a:stretch/>
+        </p:blipFill>
+        <p:spPr>
+          <a:xfrm>
+            <a:off x="5846838" y="3974400"/>
+            <a:ext cx="2832100" cy="1943100"/>
+          </a:xfrm>
+          <a:prstGeom prst="rect">
+            <a:avLst/>
+          </a:prstGeom>
         </p:spPr>
       </p:pic>
     </p:spTree>
@@ -4233,7 +4345,7 @@
           <a:p>
             <a:r>
               <a:rPr lang="nl-NL" u="sng" dirty="0" smtClean="0"/>
-              <a:t>ALGORITME OPDRACHT 2 </a:t>
+              <a:t>RESULTATEN</a:t>
             </a:r>
             <a:endParaRPr lang="nl-NL" u="sng" dirty="0"/>
           </a:p>
@@ -4260,36 +4372,6 @@
             <a:normAutofit/>
           </a:bodyPr>
           <a:lstStyle/>
-          <a:p>
-            <a:r>
-              <a:rPr lang="nl-NL" dirty="0" err="1" smtClean="0"/>
-              <a:t>Simulated</a:t>
-            </a:r>
-            <a:r>
-              <a:rPr lang="nl-NL" dirty="0" smtClean="0"/>
-              <a:t> </a:t>
-            </a:r>
-            <a:r>
-              <a:rPr lang="nl-NL" dirty="0" err="1" smtClean="0"/>
-              <a:t>annealing</a:t>
-            </a:r>
-            <a:endParaRPr lang="nl-NL" dirty="0" smtClean="0"/>
-          </a:p>
-          <a:p>
-            <a:r>
-              <a:rPr lang="nl-NL" dirty="0" smtClean="0"/>
-              <a:t>Hill </a:t>
-            </a:r>
-            <a:r>
-              <a:rPr lang="nl-NL" dirty="0" err="1" smtClean="0"/>
-              <a:t>climbing</a:t>
-            </a:r>
-            <a:r>
-              <a:rPr lang="nl-NL" dirty="0" smtClean="0"/>
-              <a:t> algoritme</a:t>
-            </a:r>
-            <a:endParaRPr lang="nl-NL" dirty="0"/>
-          </a:p>
           <a:p>
             <a:pPr lvl="1">
               <a:buFont typeface="Wingdings" charset="2"/>
@@ -4336,9 +4418,255 @@
           </a:prstGeom>
         </p:spPr>
       </p:pic>
+    </p:spTree>
+    <p:extLst>
+      <p:ext uri="{BB962C8B-B14F-4D97-AF65-F5344CB8AC3E}">
+        <p14:creationId xmlns:p14="http://schemas.microsoft.com/office/powerpoint/2010/main" val="891569252"/>
+      </p:ext>
+    </p:extLst>
+  </p:cSld>
+  <p:clrMapOvr>
+    <a:masterClrMapping/>
+  </p:clrMapOvr>
+</p:sld>
+</file>
+
+<file path=ppt/slides/slide8.xml><?xml version="1.0" encoding="utf-8"?>
+<p:sld xmlns:a="http://schemas.openxmlformats.org/drawingml/2006/main" xmlns:r="http://schemas.openxmlformats.org/officeDocument/2006/relationships" xmlns:p="http://schemas.openxmlformats.org/presentationml/2006/main">
+  <p:cSld>
+    <p:spTree>
+      <p:nvGrpSpPr>
+        <p:cNvPr id="1" name=""/>
+        <p:cNvGrpSpPr/>
+        <p:nvPr/>
+      </p:nvGrpSpPr>
+      <p:grpSpPr>
+        <a:xfrm>
+          <a:off x="0" y="0"/>
+          <a:ext cx="0" cy="0"/>
+          <a:chOff x="0" y="0"/>
+          <a:chExt cx="0" cy="0"/>
+        </a:xfrm>
+      </p:grpSpPr>
+      <p:sp>
+        <p:nvSpPr>
+          <p:cNvPr id="2" name="Titel 1"/>
+          <p:cNvSpPr>
+            <a:spLocks noGrp="1"/>
+          </p:cNvSpPr>
+          <p:nvPr>
+            <p:ph type="title"/>
+          </p:nvPr>
+        </p:nvSpPr>
+        <p:spPr/>
+        <p:txBody>
+          <a:bodyPr/>
+          <a:lstStyle/>
+          <a:p>
+            <a:r>
+              <a:rPr lang="nl-NL" u="sng" dirty="0" smtClean="0"/>
+              <a:t>ALGORITME OPDRACHT 2 </a:t>
+            </a:r>
+            <a:endParaRPr lang="nl-NL" u="sng" dirty="0"/>
+          </a:p>
+        </p:txBody>
+      </p:sp>
+      <p:sp>
+        <p:nvSpPr>
+          <p:cNvPr id="3" name="Tijdelijke aanduiding voor inhoud 2"/>
+          <p:cNvSpPr>
+            <a:spLocks noGrp="1"/>
+          </p:cNvSpPr>
+          <p:nvPr>
+            <p:ph idx="1"/>
+          </p:nvPr>
+        </p:nvSpPr>
+        <p:spPr>
+          <a:xfrm>
+            <a:off x="838200" y="1825625"/>
+            <a:ext cx="9164562" cy="4351338"/>
+          </a:xfrm>
+        </p:spPr>
+        <p:txBody>
+          <a:bodyPr>
+            <a:normAutofit lnSpcReduction="10000"/>
+          </a:bodyPr>
+          <a:lstStyle/>
+          <a:p>
+            <a:r>
+              <a:rPr lang="nl-NL" dirty="0" smtClean="0"/>
+              <a:t>Iteratief algoritme</a:t>
+            </a:r>
+          </a:p>
+          <a:p>
+            <a:pPr lvl="1">
+              <a:buFont typeface="Wingdings" charset="2"/>
+              <a:buChar char="Ø"/>
+            </a:pPr>
+            <a:endParaRPr lang="nl-NL" dirty="0" smtClean="0"/>
+          </a:p>
+          <a:p>
+            <a:pPr lvl="1">
+              <a:buFont typeface="Wingdings" charset="2"/>
+              <a:buChar char="Ø"/>
+            </a:pPr>
+            <a:r>
+              <a:rPr lang="nl-NL" dirty="0" smtClean="0"/>
+              <a:t> Hill </a:t>
+            </a:r>
+            <a:r>
+              <a:rPr lang="nl-NL" dirty="0" err="1"/>
+              <a:t>climbing</a:t>
+            </a:r>
+            <a:r>
+              <a:rPr lang="nl-NL" dirty="0"/>
+              <a:t> </a:t>
+            </a:r>
+            <a:r>
+              <a:rPr lang="nl-NL" dirty="0" smtClean="0"/>
+              <a:t>algoritme</a:t>
+            </a:r>
+          </a:p>
+          <a:p>
+            <a:pPr lvl="2">
+              <a:buFont typeface="Courier New"/>
+              <a:buChar char="o"/>
+            </a:pPr>
+            <a:r>
+              <a:rPr lang="nl-NL" dirty="0" smtClean="0"/>
+              <a:t>Klassieke </a:t>
+            </a:r>
+            <a:r>
+              <a:rPr lang="nl-NL" dirty="0" err="1"/>
+              <a:t>hill</a:t>
+            </a:r>
+            <a:r>
+              <a:rPr lang="nl-NL" dirty="0"/>
+              <a:t> </a:t>
+            </a:r>
+            <a:r>
+              <a:rPr lang="nl-NL" dirty="0" err="1"/>
+              <a:t>climber</a:t>
+            </a:r>
+            <a:endParaRPr lang="nl-NL" dirty="0"/>
+          </a:p>
+          <a:p>
+            <a:pPr lvl="2">
+              <a:buFont typeface="Courier New"/>
+              <a:buChar char="o"/>
+            </a:pPr>
+            <a:r>
+              <a:rPr lang="nl-NL" dirty="0" err="1" smtClean="0"/>
+              <a:t>Lowest</a:t>
+            </a:r>
+            <a:r>
+              <a:rPr lang="nl-NL" dirty="0" smtClean="0"/>
+              <a:t> </a:t>
+            </a:r>
+            <a:r>
+              <a:rPr lang="nl-NL" dirty="0" err="1" smtClean="0"/>
+              <a:t>choice</a:t>
+            </a:r>
+            <a:endParaRPr lang="nl-NL" dirty="0" smtClean="0"/>
+          </a:p>
+          <a:p>
+            <a:pPr marL="457200" lvl="1" indent="0">
+              <a:buNone/>
+            </a:pPr>
+            <a:r>
+              <a:rPr lang="nl-NL" dirty="0" smtClean="0"/>
+              <a:t> </a:t>
+            </a:r>
+          </a:p>
+          <a:p>
+            <a:pPr lvl="1">
+              <a:buFont typeface="Wingdings" charset="2"/>
+              <a:buChar char="Ø"/>
+            </a:pPr>
+            <a:r>
+              <a:rPr lang="nl-NL" dirty="0" smtClean="0"/>
+              <a:t> Random sampling</a:t>
+            </a:r>
+          </a:p>
+          <a:p>
+            <a:pPr lvl="1">
+              <a:buFont typeface="Wingdings" charset="2"/>
+              <a:buChar char="Ø"/>
+            </a:pPr>
+            <a:endParaRPr lang="nl-NL" dirty="0" smtClean="0"/>
+          </a:p>
+          <a:p>
+            <a:pPr lvl="1">
+              <a:buFont typeface="Wingdings" charset="2"/>
+              <a:buChar char="Ø"/>
+            </a:pPr>
+            <a:r>
+              <a:rPr lang="nl-NL" dirty="0" smtClean="0"/>
+              <a:t> </a:t>
+            </a:r>
+            <a:r>
+              <a:rPr lang="nl-NL" dirty="0" err="1" smtClean="0"/>
+              <a:t>Simulated</a:t>
+            </a:r>
+            <a:r>
+              <a:rPr lang="nl-NL" dirty="0" smtClean="0"/>
+              <a:t> </a:t>
+            </a:r>
+            <a:r>
+              <a:rPr lang="nl-NL" dirty="0" err="1" smtClean="0"/>
+              <a:t>annealing</a:t>
+            </a:r>
+            <a:endParaRPr lang="nl-NL" dirty="0" smtClean="0"/>
+          </a:p>
+          <a:p>
+            <a:pPr lvl="1">
+              <a:buFont typeface="Wingdings" charset="2"/>
+              <a:buChar char="Ø"/>
+            </a:pPr>
+            <a:endParaRPr lang="nl-NL" dirty="0"/>
+          </a:p>
+          <a:p>
+            <a:pPr marL="0" indent="0">
+              <a:buNone/>
+            </a:pPr>
+            <a:r>
+              <a:rPr lang="nl-NL" dirty="0"/>
+              <a:t/>
+            </a:r>
+            <a:br>
+              <a:rPr lang="nl-NL" dirty="0"/>
+            </a:br>
+            <a:endParaRPr lang="nl-NL" dirty="0"/>
+          </a:p>
+        </p:txBody>
+      </p:sp>
       <p:pic>
         <p:nvPicPr>
-          <p:cNvPr id="4" name="Afbeelding 3"/>
+          <p:cNvPr id="5" name="Afbeelding 4"/>
+          <p:cNvPicPr>
+            <a:picLocks noChangeAspect="1"/>
+          </p:cNvPicPr>
+          <p:nvPr/>
+        </p:nvPicPr>
+        <p:blipFill>
+          <a:blip r:embed="rId2"/>
+          <a:stretch>
+            <a:fillRect/>
+          </a:stretch>
+        </p:blipFill>
+        <p:spPr>
+          <a:xfrm>
+            <a:off x="9119810" y="271515"/>
+            <a:ext cx="2836334" cy="875113"/>
+          </a:xfrm>
+          <a:prstGeom prst="rect">
+            <a:avLst/>
+          </a:prstGeom>
+        </p:spPr>
+      </p:pic>
+      <p:pic>
+        <p:nvPicPr>
+          <p:cNvPr id="7" name="Afbeelding 6"/>
           <p:cNvPicPr>
             <a:picLocks noChangeAspect="1"/>
           </p:cNvPicPr>
@@ -4352,8 +4680,8 @@
         </p:blipFill>
         <p:spPr>
           <a:xfrm>
-            <a:off x="6966858" y="3265713"/>
-            <a:ext cx="4257524" cy="3193143"/>
+            <a:off x="6254447" y="2022325"/>
+            <a:ext cx="5562600" cy="3695700"/>
           </a:xfrm>
           <a:prstGeom prst="rect">
             <a:avLst/>
@@ -4364,6 +4692,126 @@
     <p:extLst>
       <p:ext uri="{BB962C8B-B14F-4D97-AF65-F5344CB8AC3E}">
         <p14:creationId xmlns:p14="http://schemas.microsoft.com/office/powerpoint/2010/main" val="3856841804"/>
+      </p:ext>
+    </p:extLst>
+  </p:cSld>
+  <p:clrMapOvr>
+    <a:masterClrMapping/>
+  </p:clrMapOvr>
+</p:sld>
+</file>
+
+<file path=ppt/slides/slide9.xml><?xml version="1.0" encoding="utf-8"?>
+<p:sld xmlns:a="http://schemas.openxmlformats.org/drawingml/2006/main" xmlns:r="http://schemas.openxmlformats.org/officeDocument/2006/relationships" xmlns:p="http://schemas.openxmlformats.org/presentationml/2006/main">
+  <p:cSld>
+    <p:spTree>
+      <p:nvGrpSpPr>
+        <p:cNvPr id="1" name=""/>
+        <p:cNvGrpSpPr/>
+        <p:nvPr/>
+      </p:nvGrpSpPr>
+      <p:grpSpPr>
+        <a:xfrm>
+          <a:off x="0" y="0"/>
+          <a:ext cx="0" cy="0"/>
+          <a:chOff x="0" y="0"/>
+          <a:chExt cx="0" cy="0"/>
+        </a:xfrm>
+      </p:grpSpPr>
+      <p:sp>
+        <p:nvSpPr>
+          <p:cNvPr id="2" name="Titel 1"/>
+          <p:cNvSpPr>
+            <a:spLocks noGrp="1"/>
+          </p:cNvSpPr>
+          <p:nvPr>
+            <p:ph type="title"/>
+          </p:nvPr>
+        </p:nvSpPr>
+        <p:spPr/>
+        <p:txBody>
+          <a:bodyPr/>
+          <a:lstStyle/>
+          <a:p>
+            <a:r>
+              <a:rPr lang="nl-NL" u="sng" dirty="0" smtClean="0"/>
+              <a:t>RESULTATEN</a:t>
+            </a:r>
+            <a:endParaRPr lang="nl-NL" u="sng" dirty="0"/>
+          </a:p>
+        </p:txBody>
+      </p:sp>
+      <p:sp>
+        <p:nvSpPr>
+          <p:cNvPr id="3" name="Tijdelijke aanduiding voor inhoud 2"/>
+          <p:cNvSpPr>
+            <a:spLocks noGrp="1"/>
+          </p:cNvSpPr>
+          <p:nvPr>
+            <p:ph idx="1"/>
+          </p:nvPr>
+        </p:nvSpPr>
+        <p:spPr>
+          <a:xfrm>
+            <a:off x="838200" y="1825625"/>
+            <a:ext cx="9164562" cy="4351338"/>
+          </a:xfrm>
+        </p:spPr>
+        <p:txBody>
+          <a:bodyPr>
+            <a:normAutofit/>
+          </a:bodyPr>
+          <a:lstStyle/>
+          <a:p>
+            <a:pPr lvl="1">
+              <a:buFont typeface="Wingdings" charset="2"/>
+              <a:buChar char="Ø"/>
+            </a:pPr>
+            <a:endParaRPr lang="nl-NL" dirty="0"/>
+          </a:p>
+          <a:p>
+            <a:pPr marL="0" indent="0">
+              <a:buNone/>
+            </a:pPr>
+            <a:r>
+              <a:rPr lang="nl-NL" dirty="0"/>
+              <a:t/>
+            </a:r>
+            <a:br>
+              <a:rPr lang="nl-NL" dirty="0"/>
+            </a:br>
+            <a:endParaRPr lang="nl-NL" dirty="0"/>
+          </a:p>
+        </p:txBody>
+      </p:sp>
+      <p:pic>
+        <p:nvPicPr>
+          <p:cNvPr id="5" name="Afbeelding 4"/>
+          <p:cNvPicPr>
+            <a:picLocks noChangeAspect="1"/>
+          </p:cNvPicPr>
+          <p:nvPr/>
+        </p:nvPicPr>
+        <p:blipFill>
+          <a:blip r:embed="rId2"/>
+          <a:stretch>
+            <a:fillRect/>
+          </a:stretch>
+        </p:blipFill>
+        <p:spPr>
+          <a:xfrm>
+            <a:off x="9119810" y="271515"/>
+            <a:ext cx="2836334" cy="875113"/>
+          </a:xfrm>
+          <a:prstGeom prst="rect">
+            <a:avLst/>
+          </a:prstGeom>
+        </p:spPr>
+      </p:pic>
+    </p:spTree>
+    <p:extLst>
+      <p:ext uri="{BB962C8B-B14F-4D97-AF65-F5344CB8AC3E}">
+        <p14:creationId xmlns:p14="http://schemas.microsoft.com/office/powerpoint/2010/main" val="2833183247"/>
       </p:ext>
     </p:extLst>
   </p:cSld>
